--- a/reports/1 - preetude/figure/archi.pptx
+++ b/reports/1 - preetude/figure/archi.pptx
@@ -288,7 +288,8 @@
           <a:p>
             <a:fld id="{852427A1-C337-4DDD-896B-1C956F96B39C}" type="datetimeFigureOut">
               <a:rPr lang="fr-FR" smtClean="0"/>
-              <a:t>21/10/2014</a:t>
+              <a:pPr/>
+              <a:t>22/10/2014</a:t>
             </a:fld>
             <a:endParaRPr lang="fr-FR"/>
           </a:p>
@@ -330,6 +331,7 @@
           <a:p>
             <a:fld id="{55291A38-64C6-47EF-9DA4-E1C78ECC8F26}" type="slidenum">
               <a:rPr lang="fr-FR" smtClean="0"/>
+              <a:pPr/>
               <a:t>‹N°›</a:t>
             </a:fld>
             <a:endParaRPr lang="fr-FR"/>
@@ -453,7 +455,8 @@
           <a:p>
             <a:fld id="{852427A1-C337-4DDD-896B-1C956F96B39C}" type="datetimeFigureOut">
               <a:rPr lang="fr-FR" smtClean="0"/>
-              <a:t>21/10/2014</a:t>
+              <a:pPr/>
+              <a:t>22/10/2014</a:t>
             </a:fld>
             <a:endParaRPr lang="fr-FR"/>
           </a:p>
@@ -495,6 +498,7 @@
           <a:p>
             <a:fld id="{55291A38-64C6-47EF-9DA4-E1C78ECC8F26}" type="slidenum">
               <a:rPr lang="fr-FR" smtClean="0"/>
+              <a:pPr/>
               <a:t>‹N°›</a:t>
             </a:fld>
             <a:endParaRPr lang="fr-FR"/>
@@ -628,7 +632,8 @@
           <a:p>
             <a:fld id="{852427A1-C337-4DDD-896B-1C956F96B39C}" type="datetimeFigureOut">
               <a:rPr lang="fr-FR" smtClean="0"/>
-              <a:t>21/10/2014</a:t>
+              <a:pPr/>
+              <a:t>22/10/2014</a:t>
             </a:fld>
             <a:endParaRPr lang="fr-FR"/>
           </a:p>
@@ -670,6 +675,7 @@
           <a:p>
             <a:fld id="{55291A38-64C6-47EF-9DA4-E1C78ECC8F26}" type="slidenum">
               <a:rPr lang="fr-FR" smtClean="0"/>
+              <a:pPr/>
               <a:t>‹N°›</a:t>
             </a:fld>
             <a:endParaRPr lang="fr-FR"/>
@@ -793,7 +799,8 @@
           <a:p>
             <a:fld id="{852427A1-C337-4DDD-896B-1C956F96B39C}" type="datetimeFigureOut">
               <a:rPr lang="fr-FR" smtClean="0"/>
-              <a:t>21/10/2014</a:t>
+              <a:pPr/>
+              <a:t>22/10/2014</a:t>
             </a:fld>
             <a:endParaRPr lang="fr-FR"/>
           </a:p>
@@ -835,6 +842,7 @@
           <a:p>
             <a:fld id="{55291A38-64C6-47EF-9DA4-E1C78ECC8F26}" type="slidenum">
               <a:rPr lang="fr-FR" smtClean="0"/>
+              <a:pPr/>
               <a:t>‹N°›</a:t>
             </a:fld>
             <a:endParaRPr lang="fr-FR"/>
@@ -1034,7 +1042,8 @@
           <a:p>
             <a:fld id="{852427A1-C337-4DDD-896B-1C956F96B39C}" type="datetimeFigureOut">
               <a:rPr lang="fr-FR" smtClean="0"/>
-              <a:t>21/10/2014</a:t>
+              <a:pPr/>
+              <a:t>22/10/2014</a:t>
             </a:fld>
             <a:endParaRPr lang="fr-FR"/>
           </a:p>
@@ -1076,6 +1085,7 @@
           <a:p>
             <a:fld id="{55291A38-64C6-47EF-9DA4-E1C78ECC8F26}" type="slidenum">
               <a:rPr lang="fr-FR" smtClean="0"/>
+              <a:pPr/>
               <a:t>‹N°›</a:t>
             </a:fld>
             <a:endParaRPr lang="fr-FR"/>
@@ -1317,7 +1327,8 @@
           <a:p>
             <a:fld id="{852427A1-C337-4DDD-896B-1C956F96B39C}" type="datetimeFigureOut">
               <a:rPr lang="fr-FR" smtClean="0"/>
-              <a:t>21/10/2014</a:t>
+              <a:pPr/>
+              <a:t>22/10/2014</a:t>
             </a:fld>
             <a:endParaRPr lang="fr-FR"/>
           </a:p>
@@ -1359,6 +1370,7 @@
           <a:p>
             <a:fld id="{55291A38-64C6-47EF-9DA4-E1C78ECC8F26}" type="slidenum">
               <a:rPr lang="fr-FR" smtClean="0"/>
+              <a:pPr/>
               <a:t>‹N°›</a:t>
             </a:fld>
             <a:endParaRPr lang="fr-FR"/>
@@ -1734,7 +1746,8 @@
           <a:p>
             <a:fld id="{852427A1-C337-4DDD-896B-1C956F96B39C}" type="datetimeFigureOut">
               <a:rPr lang="fr-FR" smtClean="0"/>
-              <a:t>21/10/2014</a:t>
+              <a:pPr/>
+              <a:t>22/10/2014</a:t>
             </a:fld>
             <a:endParaRPr lang="fr-FR"/>
           </a:p>
@@ -1776,6 +1789,7 @@
           <a:p>
             <a:fld id="{55291A38-64C6-47EF-9DA4-E1C78ECC8F26}" type="slidenum">
               <a:rPr lang="fr-FR" smtClean="0"/>
+              <a:pPr/>
               <a:t>‹N°›</a:t>
             </a:fld>
             <a:endParaRPr lang="fr-FR"/>
@@ -1847,7 +1861,8 @@
           <a:p>
             <a:fld id="{852427A1-C337-4DDD-896B-1C956F96B39C}" type="datetimeFigureOut">
               <a:rPr lang="fr-FR" smtClean="0"/>
-              <a:t>21/10/2014</a:t>
+              <a:pPr/>
+              <a:t>22/10/2014</a:t>
             </a:fld>
             <a:endParaRPr lang="fr-FR"/>
           </a:p>
@@ -1889,6 +1904,7 @@
           <a:p>
             <a:fld id="{55291A38-64C6-47EF-9DA4-E1C78ECC8F26}" type="slidenum">
               <a:rPr lang="fr-FR" smtClean="0"/>
+              <a:pPr/>
               <a:t>‹N°›</a:t>
             </a:fld>
             <a:endParaRPr lang="fr-FR"/>
@@ -1937,7 +1953,8 @@
           <a:p>
             <a:fld id="{852427A1-C337-4DDD-896B-1C956F96B39C}" type="datetimeFigureOut">
               <a:rPr lang="fr-FR" smtClean="0"/>
-              <a:t>21/10/2014</a:t>
+              <a:pPr/>
+              <a:t>22/10/2014</a:t>
             </a:fld>
             <a:endParaRPr lang="fr-FR"/>
           </a:p>
@@ -1979,6 +1996,7 @@
           <a:p>
             <a:fld id="{55291A38-64C6-47EF-9DA4-E1C78ECC8F26}" type="slidenum">
               <a:rPr lang="fr-FR" smtClean="0"/>
+              <a:pPr/>
               <a:t>‹N°›</a:t>
             </a:fld>
             <a:endParaRPr lang="fr-FR"/>
@@ -2209,7 +2227,8 @@
           <a:p>
             <a:fld id="{852427A1-C337-4DDD-896B-1C956F96B39C}" type="datetimeFigureOut">
               <a:rPr lang="fr-FR" smtClean="0"/>
-              <a:t>21/10/2014</a:t>
+              <a:pPr/>
+              <a:t>22/10/2014</a:t>
             </a:fld>
             <a:endParaRPr lang="fr-FR"/>
           </a:p>
@@ -2251,6 +2270,7 @@
           <a:p>
             <a:fld id="{55291A38-64C6-47EF-9DA4-E1C78ECC8F26}" type="slidenum">
               <a:rPr lang="fr-FR" smtClean="0"/>
+              <a:pPr/>
               <a:t>‹N°›</a:t>
             </a:fld>
             <a:endParaRPr lang="fr-FR"/>
@@ -2457,7 +2477,8 @@
           <a:p>
             <a:fld id="{852427A1-C337-4DDD-896B-1C956F96B39C}" type="datetimeFigureOut">
               <a:rPr lang="fr-FR" smtClean="0"/>
-              <a:t>21/10/2014</a:t>
+              <a:pPr/>
+              <a:t>22/10/2014</a:t>
             </a:fld>
             <a:endParaRPr lang="fr-FR"/>
           </a:p>
@@ -2499,6 +2520,7 @@
           <a:p>
             <a:fld id="{55291A38-64C6-47EF-9DA4-E1C78ECC8F26}" type="slidenum">
               <a:rPr lang="fr-FR" smtClean="0"/>
+              <a:pPr/>
               <a:t>‹N°›</a:t>
             </a:fld>
             <a:endParaRPr lang="fr-FR"/>
@@ -2665,7 +2687,8 @@
           <a:p>
             <a:fld id="{852427A1-C337-4DDD-896B-1C956F96B39C}" type="datetimeFigureOut">
               <a:rPr lang="fr-FR" smtClean="0"/>
-              <a:t>21/10/2014</a:t>
+              <a:pPr/>
+              <a:t>22/10/2014</a:t>
             </a:fld>
             <a:endParaRPr lang="fr-FR"/>
           </a:p>
@@ -2743,6 +2766,7 @@
           <a:p>
             <a:fld id="{55291A38-64C6-47EF-9DA4-E1C78ECC8F26}" type="slidenum">
               <a:rPr lang="fr-FR" smtClean="0"/>
+              <a:pPr/>
               <a:t>‹N°›</a:t>
             </a:fld>
             <a:endParaRPr lang="fr-FR"/>
@@ -3320,7 +3344,7 @@
         <p:spPr>
           <a:xfrm>
             <a:off x="5724128" y="1700808"/>
-            <a:ext cx="2736304" cy="3384376"/>
+            <a:ext cx="2736304" cy="3024336"/>
           </a:xfrm>
           <a:prstGeom prst="rect">
             <a:avLst/>
@@ -3438,10 +3462,17 @@
           <a:lstStyle/>
           <a:p>
             <a:pPr algn="ctr"/>
+            <a:endParaRPr lang="fr-FR" b="1" smtClean="0"/>
+          </a:p>
+          <a:p>
+            <a:pPr algn="ctr"/>
             <a:r>
               <a:rPr lang="fr-FR" b="1" smtClean="0"/>
-              <a:t>Modèles d’arbre d’attaque et de défense</a:t>
-            </a:r>
+              <a:t>Modèles d’ADTrees</a:t>
+            </a:r>
+          </a:p>
+          <a:p>
+            <a:pPr algn="ctr"/>
             <a:endParaRPr lang="fr-FR" b="1"/>
           </a:p>
         </p:txBody>
@@ -3454,7 +3485,7 @@
         </p:nvSpPr>
         <p:spPr>
           <a:xfrm>
-            <a:off x="6084168" y="3717032"/>
+            <a:off x="6084168" y="3573016"/>
             <a:ext cx="2088232" cy="923330"/>
           </a:xfrm>
           <a:prstGeom prst="rect">
@@ -3494,10 +3525,17 @@
           <a:lstStyle/>
           <a:p>
             <a:pPr algn="ctr"/>
+            <a:endParaRPr lang="fr-FR" b="1" smtClean="0"/>
+          </a:p>
+          <a:p>
+            <a:pPr algn="ctr"/>
             <a:r>
               <a:rPr lang="fr-FR" b="1" smtClean="0"/>
-              <a:t>Liste des arbres d’attaque et de défense</a:t>
-            </a:r>
+              <a:t>Liste d ’ADTrees</a:t>
+            </a:r>
+          </a:p>
+          <a:p>
+            <a:pPr algn="ctr"/>
             <a:endParaRPr lang="fr-FR" b="1"/>
           </a:p>
         </p:txBody>
@@ -3784,13 +3822,13 @@
           <p:nvPr/>
         </p:nvCxnSpPr>
         <p:spPr>
-          <a:xfrm rot="5400000" flipH="1">
-            <a:off x="4788024" y="2300102"/>
+          <a:xfrm rot="5400000">
+            <a:off x="4788024" y="2228094"/>
             <a:ext cx="72008" cy="4608512"/>
           </a:xfrm>
           <a:prstGeom prst="bentConnector3">
             <a:avLst>
-              <a:gd name="adj1" fmla="val -2005253"/>
+              <a:gd name="adj1" fmla="val 2231550"/>
             </a:avLst>
           </a:prstGeom>
           <a:ln>
